--- a/Predicting Coupon Redemption.pptx
+++ b/Predicting Coupon Redemption.pptx
@@ -5,7 +5,7 @@
     <p:sldMasterId id="2147483802" r:id="rId1"/>
   </p:sldMasterIdLst>
   <p:notesMasterIdLst>
-    <p:notesMasterId r:id="rId15"/>
+    <p:notesMasterId r:id="rId16"/>
   </p:notesMasterIdLst>
   <p:sldIdLst>
     <p:sldId id="256" r:id="rId2"/>
@@ -21,6 +21,7 @@
     <p:sldId id="267" r:id="rId12"/>
     <p:sldId id="268" r:id="rId13"/>
     <p:sldId id="269" r:id="rId14"/>
+    <p:sldId id="270" r:id="rId15"/>
   </p:sldIdLst>
   <p:sldSz cx="9144000" cy="6858000" type="screen4x3"/>
   <p:notesSz cx="6858000" cy="9144000"/>
@@ -135,7 +136,7 @@
       </p15:sldGuideLst>
     </p:ext>
     <p:ext uri="http://customooxmlschemas.google.com/">
-      <go:slidesCustomData xmlns="" xmlns:mc="http://schemas.openxmlformats.org/markup-compatibility/2006" xmlns:mv="urn:schemas-microsoft-com:mac:vml" xmlns:c="http://schemas.openxmlformats.org/drawingml/2006/chart" xmlns:dgm="http://schemas.openxmlformats.org/drawingml/2006/diagram" xmlns:o="urn:schemas-microsoft-com:office:office" xmlns:v="urn:schemas-microsoft-com:vml" xmlns:pvml="urn:schemas-microsoft-com:office:powerpoint" xmlns:com="http://schemas.openxmlformats.org/drawingml/2006/compatibility" xmlns:p14="http://schemas.microsoft.com/office/powerpoint/2010/main" xmlns:p15="http://schemas.microsoft.com/office/powerpoint/2012/main" xmlns:go="http://customooxmlschemas.google.com/" r:id="rId16" roundtripDataSignature="AMtx7mjdo7FECp685JsX7/4pIVeoAktjNA=="/>
+      <go:slidesCustomData xmlns:go="http://customooxmlschemas.google.com/" xmlns:p15="http://schemas.microsoft.com/office/powerpoint/2012/main" xmlns:p14="http://schemas.microsoft.com/office/powerpoint/2010/main" xmlns:com="http://schemas.openxmlformats.org/drawingml/2006/compatibility" xmlns:pvml="urn:schemas-microsoft-com:office:powerpoint" xmlns:v="urn:schemas-microsoft-com:vml" xmlns:o="urn:schemas-microsoft-com:office:office" xmlns:dgm="http://schemas.openxmlformats.org/drawingml/2006/diagram" xmlns:c="http://schemas.openxmlformats.org/drawingml/2006/chart" xmlns:mv="urn:schemas-microsoft-com:mac:vml" xmlns:mc="http://schemas.openxmlformats.org/markup-compatibility/2006" xmlns="" r:id="rId17" roundtripDataSignature="AMtx7mjdo7FECp685JsX7/4pIVeoAktjNA=="/>
     </p:ext>
   </p:extLst>
 </p:presentation>
@@ -4264,7 +4265,7 @@
 </p:notes>
 </file>
 
-<file path=ppt/notesSlides/notesSlide2.xml><?xml version="1.0" encoding="utf-8"?>
+<file path=ppt/notesSlides/notesSlide14.xml><?xml version="1.0" encoding="utf-8"?>
 <p:notes xmlns:a="http://schemas.openxmlformats.org/drawingml/2006/main" xmlns:r="http://schemas.openxmlformats.org/officeDocument/2006/relationships" xmlns:p="http://schemas.openxmlformats.org/presentationml/2006/main" showMasterSp="0" showMasterPhAnim="0">
   <p:cSld>
     <p:spTree>
@@ -4333,7 +4334,7 @@
                   <a:srgbClr val="000000"/>
                 </a:solidFill>
               </a:rPr>
-              <a:t>2</a:t>
+              <a:t>14</a:t>
             </a:fld>
             <a:endParaRPr sz="1800" b="0" i="0" u="none" strike="noStrike" cap="none">
               <a:solidFill>
@@ -4789,7 +4790,7 @@
     </p:spTree>
     <p:extLst>
       <p:ext uri="{BB962C8B-B14F-4D97-AF65-F5344CB8AC3E}">
-        <p14:creationId xmlns:p14="http://schemas.microsoft.com/office/powerpoint/2010/main" val="4283801370"/>
+        <p14:creationId xmlns:p14="http://schemas.microsoft.com/office/powerpoint/2010/main" val="2718124325"/>
       </p:ext>
     </p:extLst>
   </p:cSld>
@@ -4799,7 +4800,7 @@
 </p:notes>
 </file>
 
-<file path=ppt/notesSlides/notesSlide3.xml><?xml version="1.0" encoding="utf-8"?>
+<file path=ppt/notesSlides/notesSlide2.xml><?xml version="1.0" encoding="utf-8"?>
 <p:notes xmlns:a="http://schemas.openxmlformats.org/drawingml/2006/main" xmlns:r="http://schemas.openxmlformats.org/officeDocument/2006/relationships" xmlns:p="http://schemas.openxmlformats.org/presentationml/2006/main" showMasterSp="0" showMasterPhAnim="0">
   <p:cSld>
     <p:spTree>
@@ -4868,7 +4869,7 @@
                   <a:srgbClr val="000000"/>
                 </a:solidFill>
               </a:rPr>
-              <a:t>3</a:t>
+              <a:t>2</a:t>
             </a:fld>
             <a:endParaRPr sz="1800" b="0" i="0" u="none" strike="noStrike" cap="none">
               <a:solidFill>
@@ -5324,7 +5325,7 @@
     </p:spTree>
     <p:extLst>
       <p:ext uri="{BB962C8B-B14F-4D97-AF65-F5344CB8AC3E}">
-        <p14:creationId xmlns:p14="http://schemas.microsoft.com/office/powerpoint/2010/main" val="313021244"/>
+        <p14:creationId xmlns:p14="http://schemas.microsoft.com/office/powerpoint/2010/main" val="4283801370"/>
       </p:ext>
     </p:extLst>
   </p:cSld>
@@ -5334,7 +5335,7 @@
 </p:notes>
 </file>
 
-<file path=ppt/notesSlides/notesSlide4.xml><?xml version="1.0" encoding="utf-8"?>
+<file path=ppt/notesSlides/notesSlide3.xml><?xml version="1.0" encoding="utf-8"?>
 <p:notes xmlns:a="http://schemas.openxmlformats.org/drawingml/2006/main" xmlns:r="http://schemas.openxmlformats.org/officeDocument/2006/relationships" xmlns:p="http://schemas.openxmlformats.org/presentationml/2006/main" showMasterSp="0" showMasterPhAnim="0">
   <p:cSld>
     <p:spTree>
@@ -5403,7 +5404,7 @@
                   <a:srgbClr val="000000"/>
                 </a:solidFill>
               </a:rPr>
-              <a:t>4</a:t>
+              <a:t>3</a:t>
             </a:fld>
             <a:endParaRPr sz="1800" b="0" i="0" u="none" strike="noStrike" cap="none">
               <a:solidFill>
@@ -5487,6 +5488,358 @@
           </a:bodyPr>
           <a:lstStyle/>
           <a:p>
+            <a:pPr marL="0" marR="0" lvl="0" indent="0" algn="l" rtl="0">
+              <a:lnSpc>
+                <a:spcPct val="100000"/>
+              </a:lnSpc>
+              <a:spcBef>
+                <a:spcPts val="0"/>
+              </a:spcBef>
+              <a:spcAft>
+                <a:spcPts val="0"/>
+              </a:spcAft>
+              <a:buClr>
+                <a:srgbClr val="000000"/>
+              </a:buClr>
+              <a:buSzPts val="1400"/>
+              <a:buFont typeface="Arial"/>
+              <a:buNone/>
+            </a:pPr>
+            <a:r>
+              <a:rPr lang="en-AU" b="1" dirty="0"/>
+              <a:t>Hypothesis: </a:t>
+            </a:r>
+            <a:r>
+              <a:rPr lang="en-AU" sz="1200" b="0" i="1" u="none" strike="noStrike" cap="none" dirty="0">
+                <a:solidFill>
+                  <a:srgbClr val="000000"/>
+                </a:solidFill>
+                <a:latin typeface="Arial"/>
+                <a:ea typeface="Arial"/>
+                <a:cs typeface="Arial"/>
+                <a:sym typeface="Arial"/>
+              </a:rPr>
+              <a:t>Create a Hypothesis with an emphasis on SMART principles. </a:t>
+            </a:r>
+            <a:r>
+              <a:rPr lang="en-AU" sz="1200" b="1" i="1" u="none" strike="noStrike" cap="none" dirty="0">
+                <a:solidFill>
+                  <a:srgbClr val="000000"/>
+                </a:solidFill>
+                <a:latin typeface="Arial"/>
+                <a:ea typeface="Arial"/>
+                <a:cs typeface="Arial"/>
+                <a:sym typeface="Arial"/>
+              </a:rPr>
+              <a:t>(</a:t>
+            </a:r>
+            <a:r>
+              <a:rPr lang="en-AU" sz="1200" b="1" i="1" dirty="0"/>
+              <a:t>S – Specific, M – Measurable, A – Achievable, R – Realistic, T – Timebound). </a:t>
+            </a:r>
+            <a:r>
+              <a:rPr lang="en-AU" sz="1200" b="0" i="0" dirty="0"/>
+              <a:t>If you cannot do this, you </a:t>
+            </a:r>
+            <a:r>
+              <a:rPr lang="en-AU" sz="1200" b="1" i="0" dirty="0"/>
+              <a:t>do not</a:t>
+            </a:r>
+            <a:r>
+              <a:rPr lang="en-AU" sz="1200" b="0" i="0" dirty="0"/>
+              <a:t> have a good grasp on the business problem.</a:t>
+            </a:r>
+            <a:endParaRPr b="1" dirty="0"/>
+          </a:p>
+          <a:p>
+            <a:pPr marL="0" lvl="0" indent="0" algn="l" rtl="0">
+              <a:lnSpc>
+                <a:spcPct val="100000"/>
+              </a:lnSpc>
+              <a:spcBef>
+                <a:spcPts val="0"/>
+              </a:spcBef>
+              <a:spcAft>
+                <a:spcPts val="0"/>
+              </a:spcAft>
+              <a:buSzPts val="1400"/>
+              <a:buNone/>
+            </a:pPr>
+            <a:endParaRPr dirty="0"/>
+          </a:p>
+          <a:p>
+            <a:pPr marL="0" marR="0" lvl="0" indent="0" algn="l" rtl="0">
+              <a:lnSpc>
+                <a:spcPct val="100000"/>
+              </a:lnSpc>
+              <a:spcBef>
+                <a:spcPts val="0"/>
+              </a:spcBef>
+              <a:spcAft>
+                <a:spcPts val="0"/>
+              </a:spcAft>
+              <a:buClr>
+                <a:srgbClr val="000000"/>
+              </a:buClr>
+              <a:buSzPts val="1400"/>
+              <a:buFont typeface="Arial"/>
+              <a:buNone/>
+            </a:pPr>
+            <a:r>
+              <a:rPr lang="en-AU" b="1" dirty="0"/>
+              <a:t>Context: </a:t>
+            </a:r>
+            <a:r>
+              <a:rPr lang="en-AU" sz="1200" dirty="0"/>
+              <a:t>With context, we have </a:t>
+            </a:r>
+            <a:r>
+              <a:rPr lang="en-AU" sz="1200" b="1" u="sng" dirty="0"/>
+              <a:t>clearly identified the problem at hand </a:t>
+            </a:r>
+            <a:r>
+              <a:rPr lang="en-AU" sz="1200" dirty="0"/>
+              <a:t>and have elucidated on how our initiative may solve this problem, alongside the commercial implications this will have on the business. </a:t>
+            </a:r>
+            <a:endParaRPr dirty="0"/>
+          </a:p>
+          <a:p>
+            <a:pPr marL="0" lvl="0" indent="0" algn="l" rtl="0">
+              <a:lnSpc>
+                <a:spcPct val="100000"/>
+              </a:lnSpc>
+              <a:spcBef>
+                <a:spcPts val="0"/>
+              </a:spcBef>
+              <a:spcAft>
+                <a:spcPts val="0"/>
+              </a:spcAft>
+              <a:buSzPts val="1400"/>
+              <a:buNone/>
+            </a:pPr>
+            <a:endParaRPr b="1" dirty="0"/>
+          </a:p>
+          <a:p>
+            <a:pPr marL="0" lvl="0" indent="0" algn="l" rtl="0">
+              <a:lnSpc>
+                <a:spcPct val="100000"/>
+              </a:lnSpc>
+              <a:spcBef>
+                <a:spcPts val="0"/>
+              </a:spcBef>
+              <a:spcAft>
+                <a:spcPts val="0"/>
+              </a:spcAft>
+              <a:buSzPts val="1400"/>
+              <a:buNone/>
+            </a:pPr>
+            <a:r>
+              <a:rPr lang="en-AU" b="1" dirty="0"/>
+              <a:t>Criteria for Success</a:t>
+            </a:r>
+            <a:r>
+              <a:rPr lang="en-AU" b="0" dirty="0"/>
+              <a:t>: Clearly defining the criteria for success ensures that the scope of your work is clearly defined and understood. Otherwise, if this isn’t defined – your work will never end which will result in mismatched expectations.</a:t>
+            </a:r>
+            <a:endParaRPr dirty="0"/>
+          </a:p>
+          <a:p>
+            <a:pPr marL="0" lvl="0" indent="0" algn="l" rtl="0">
+              <a:lnSpc>
+                <a:spcPct val="100000"/>
+              </a:lnSpc>
+              <a:spcBef>
+                <a:spcPts val="0"/>
+              </a:spcBef>
+              <a:spcAft>
+                <a:spcPts val="0"/>
+              </a:spcAft>
+              <a:buSzPts val="1400"/>
+              <a:buNone/>
+            </a:pPr>
+            <a:endParaRPr b="0" dirty="0"/>
+          </a:p>
+          <a:p>
+            <a:pPr marL="0" lvl="0" indent="0" algn="l" rtl="0">
+              <a:lnSpc>
+                <a:spcPct val="100000"/>
+              </a:lnSpc>
+              <a:spcBef>
+                <a:spcPts val="0"/>
+              </a:spcBef>
+              <a:spcAft>
+                <a:spcPts val="0"/>
+              </a:spcAft>
+              <a:buSzPts val="1400"/>
+              <a:buNone/>
+            </a:pPr>
+            <a:r>
+              <a:rPr lang="en-AU" b="1" dirty="0"/>
+              <a:t>Scope of Solution Space: </a:t>
+            </a:r>
+            <a:r>
+              <a:rPr lang="en-AU" b="0" dirty="0"/>
+              <a:t>Scoping out the solution space ensures that the business initiative is SPECIFIC for a certain segment or area. This prevents solutions that have been developed being scaled and applied for all other business units that the solution may not be responsible or scalable for.</a:t>
+            </a:r>
+            <a:endParaRPr dirty="0"/>
+          </a:p>
+          <a:p>
+            <a:pPr marL="0" lvl="0" indent="0" algn="l" rtl="0">
+              <a:lnSpc>
+                <a:spcPct val="100000"/>
+              </a:lnSpc>
+              <a:spcBef>
+                <a:spcPts val="0"/>
+              </a:spcBef>
+              <a:spcAft>
+                <a:spcPts val="0"/>
+              </a:spcAft>
+              <a:buSzPts val="1400"/>
+              <a:buNone/>
+            </a:pPr>
+            <a:endParaRPr b="0" dirty="0"/>
+          </a:p>
+          <a:p>
+            <a:pPr marL="0" lvl="0" indent="0" algn="l" rtl="0">
+              <a:lnSpc>
+                <a:spcPct val="100000"/>
+              </a:lnSpc>
+              <a:spcBef>
+                <a:spcPts val="0"/>
+              </a:spcBef>
+              <a:spcAft>
+                <a:spcPts val="0"/>
+              </a:spcAft>
+              <a:buSzPts val="1400"/>
+              <a:buNone/>
+            </a:pPr>
+            <a:r>
+              <a:rPr lang="en-AU" b="1" dirty="0"/>
+              <a:t>Constraints within Solution Space: </a:t>
+            </a:r>
+            <a:r>
+              <a:rPr lang="en-AU" b="0" dirty="0"/>
+              <a:t>Looking forward, what are the foreseeable problems we are likely to encounter? Could this be stakeholder resistance? Could this be we don’t have access to the right data? </a:t>
+            </a:r>
+            <a:endParaRPr dirty="0"/>
+          </a:p>
+          <a:p>
+            <a:pPr marL="0" lvl="0" indent="0" algn="l" rtl="0">
+              <a:lnSpc>
+                <a:spcPct val="100000"/>
+              </a:lnSpc>
+              <a:spcBef>
+                <a:spcPts val="0"/>
+              </a:spcBef>
+              <a:spcAft>
+                <a:spcPts val="0"/>
+              </a:spcAft>
+              <a:buSzPts val="1400"/>
+              <a:buNone/>
+            </a:pPr>
+            <a:endParaRPr b="0" dirty="0"/>
+          </a:p>
+          <a:p>
+            <a:pPr marL="0" lvl="0" indent="0" algn="l" rtl="0">
+              <a:lnSpc>
+                <a:spcPct val="100000"/>
+              </a:lnSpc>
+              <a:spcBef>
+                <a:spcPts val="0"/>
+              </a:spcBef>
+              <a:spcAft>
+                <a:spcPts val="0"/>
+              </a:spcAft>
+              <a:buSzPts val="1400"/>
+              <a:buNone/>
+            </a:pPr>
+            <a:r>
+              <a:rPr lang="en-AU" b="1" dirty="0"/>
+              <a:t>Stakeholders to provide key insight: </a:t>
+            </a:r>
+            <a:r>
+              <a:rPr lang="en-AU" b="0" dirty="0"/>
+              <a:t>Who are the people I need to speak to, to get the answers I need for my data analysis?</a:t>
+            </a:r>
+            <a:endParaRPr dirty="0"/>
+          </a:p>
+          <a:p>
+            <a:pPr marL="0" lvl="0" indent="0" algn="l" rtl="0">
+              <a:lnSpc>
+                <a:spcPct val="100000"/>
+              </a:lnSpc>
+              <a:spcBef>
+                <a:spcPts val="0"/>
+              </a:spcBef>
+              <a:spcAft>
+                <a:spcPts val="0"/>
+              </a:spcAft>
+              <a:buSzPts val="1400"/>
+              <a:buNone/>
+            </a:pPr>
+            <a:endParaRPr b="0" dirty="0"/>
+          </a:p>
+          <a:p>
+            <a:pPr marL="0" lvl="0" indent="0" algn="l" rtl="0">
+              <a:lnSpc>
+                <a:spcPct val="100000"/>
+              </a:lnSpc>
+              <a:spcBef>
+                <a:spcPts val="0"/>
+              </a:spcBef>
+              <a:spcAft>
+                <a:spcPts val="0"/>
+              </a:spcAft>
+              <a:buSzPts val="1400"/>
+              <a:buNone/>
+            </a:pPr>
+            <a:r>
+              <a:rPr lang="en-AU" b="1" dirty="0"/>
+              <a:t>What key data sources are required</a:t>
+            </a:r>
+            <a:r>
+              <a:rPr lang="en-AU" b="0" dirty="0"/>
+              <a:t>?</a:t>
+            </a:r>
+            <a:endParaRPr dirty="0"/>
+          </a:p>
+          <a:p>
+            <a:pPr marL="0" lvl="0" indent="0" algn="l" rtl="0">
+              <a:lnSpc>
+                <a:spcPct val="100000"/>
+              </a:lnSpc>
+              <a:spcBef>
+                <a:spcPts val="0"/>
+              </a:spcBef>
+              <a:spcAft>
+                <a:spcPts val="0"/>
+              </a:spcAft>
+              <a:buSzPts val="1400"/>
+              <a:buNone/>
+            </a:pPr>
+            <a:r>
+              <a:rPr lang="en-AU" b="0" dirty="0"/>
+              <a:t>Based off my discussions with the key stakeholders – can we clearly list out all the data sources we need so we can make a highly targeted request as opposed to a scatter-gun approach where we ask for a bit of everything?</a:t>
+            </a:r>
+            <a:endParaRPr dirty="0"/>
+          </a:p>
+          <a:p>
+            <a:pPr marL="0" lvl="0" indent="0" algn="l" rtl="0">
+              <a:lnSpc>
+                <a:spcPct val="100000"/>
+              </a:lnSpc>
+              <a:spcBef>
+                <a:spcPts val="0"/>
+              </a:spcBef>
+              <a:spcAft>
+                <a:spcPts val="0"/>
+              </a:spcAft>
+              <a:buSzPts val="1400"/>
+              <a:buNone/>
+            </a:pPr>
+            <a:endParaRPr b="1" dirty="0"/>
+          </a:p>
+          <a:p>
             <a:pPr marL="0" lvl="0" indent="0" algn="l" rtl="0">
               <a:lnSpc>
                 <a:spcPct val="100000"/>
@@ -5507,7 +5860,7 @@
     </p:spTree>
     <p:extLst>
       <p:ext uri="{BB962C8B-B14F-4D97-AF65-F5344CB8AC3E}">
-        <p14:creationId xmlns:p14="http://schemas.microsoft.com/office/powerpoint/2010/main" val="1405139647"/>
+        <p14:creationId xmlns:p14="http://schemas.microsoft.com/office/powerpoint/2010/main" val="313021244"/>
       </p:ext>
     </p:extLst>
   </p:cSld>
@@ -5517,7 +5870,7 @@
 </p:notes>
 </file>
 
-<file path=ppt/notesSlides/notesSlide5.xml><?xml version="1.0" encoding="utf-8"?>
+<file path=ppt/notesSlides/notesSlide4.xml><?xml version="1.0" encoding="utf-8"?>
 <p:notes xmlns:a="http://schemas.openxmlformats.org/drawingml/2006/main" xmlns:r="http://schemas.openxmlformats.org/officeDocument/2006/relationships" xmlns:p="http://schemas.openxmlformats.org/presentationml/2006/main" showMasterSp="0" showMasterPhAnim="0">
   <p:cSld>
     <p:spTree>
@@ -5586,7 +5939,7 @@
                   <a:srgbClr val="000000"/>
                 </a:solidFill>
               </a:rPr>
-              <a:t>5</a:t>
+              <a:t>4</a:t>
             </a:fld>
             <a:endParaRPr sz="1800" b="0" i="0" u="none" strike="noStrike" cap="none">
               <a:solidFill>
@@ -5670,358 +6023,6 @@
           </a:bodyPr>
           <a:lstStyle/>
           <a:p>
-            <a:pPr marL="0" marR="0" lvl="0" indent="0" algn="l" rtl="0">
-              <a:lnSpc>
-                <a:spcPct val="100000"/>
-              </a:lnSpc>
-              <a:spcBef>
-                <a:spcPts val="0"/>
-              </a:spcBef>
-              <a:spcAft>
-                <a:spcPts val="0"/>
-              </a:spcAft>
-              <a:buClr>
-                <a:srgbClr val="000000"/>
-              </a:buClr>
-              <a:buSzPts val="1400"/>
-              <a:buFont typeface="Arial"/>
-              <a:buNone/>
-            </a:pPr>
-            <a:r>
-              <a:rPr lang="en-AU" b="1" dirty="0"/>
-              <a:t>Hypothesis: </a:t>
-            </a:r>
-            <a:r>
-              <a:rPr lang="en-AU" sz="1200" b="0" i="1" u="none" strike="noStrike" cap="none" dirty="0">
-                <a:solidFill>
-                  <a:srgbClr val="000000"/>
-                </a:solidFill>
-                <a:latin typeface="Arial"/>
-                <a:ea typeface="Arial"/>
-                <a:cs typeface="Arial"/>
-                <a:sym typeface="Arial"/>
-              </a:rPr>
-              <a:t>Create a Hypothesis with an emphasis on SMART principles. </a:t>
-            </a:r>
-            <a:r>
-              <a:rPr lang="en-AU" sz="1200" b="1" i="1" u="none" strike="noStrike" cap="none" dirty="0">
-                <a:solidFill>
-                  <a:srgbClr val="000000"/>
-                </a:solidFill>
-                <a:latin typeface="Arial"/>
-                <a:ea typeface="Arial"/>
-                <a:cs typeface="Arial"/>
-                <a:sym typeface="Arial"/>
-              </a:rPr>
-              <a:t>(</a:t>
-            </a:r>
-            <a:r>
-              <a:rPr lang="en-AU" sz="1200" b="1" i="1" dirty="0"/>
-              <a:t>S – Specific, M – Measurable, A – Achievable, R – Realistic, T – Timebound). </a:t>
-            </a:r>
-            <a:r>
-              <a:rPr lang="en-AU" sz="1200" b="0" i="0" dirty="0"/>
-              <a:t>If you cannot do this, you </a:t>
-            </a:r>
-            <a:r>
-              <a:rPr lang="en-AU" sz="1200" b="1" i="0" dirty="0"/>
-              <a:t>do not</a:t>
-            </a:r>
-            <a:r>
-              <a:rPr lang="en-AU" sz="1200" b="0" i="0" dirty="0"/>
-              <a:t> have a good grasp on the business problem.</a:t>
-            </a:r>
-            <a:endParaRPr b="1" dirty="0"/>
-          </a:p>
-          <a:p>
-            <a:pPr marL="0" lvl="0" indent="0" algn="l" rtl="0">
-              <a:lnSpc>
-                <a:spcPct val="100000"/>
-              </a:lnSpc>
-              <a:spcBef>
-                <a:spcPts val="0"/>
-              </a:spcBef>
-              <a:spcAft>
-                <a:spcPts val="0"/>
-              </a:spcAft>
-              <a:buSzPts val="1400"/>
-              <a:buNone/>
-            </a:pPr>
-            <a:endParaRPr dirty="0"/>
-          </a:p>
-          <a:p>
-            <a:pPr marL="0" marR="0" lvl="0" indent="0" algn="l" rtl="0">
-              <a:lnSpc>
-                <a:spcPct val="100000"/>
-              </a:lnSpc>
-              <a:spcBef>
-                <a:spcPts val="0"/>
-              </a:spcBef>
-              <a:spcAft>
-                <a:spcPts val="0"/>
-              </a:spcAft>
-              <a:buClr>
-                <a:srgbClr val="000000"/>
-              </a:buClr>
-              <a:buSzPts val="1400"/>
-              <a:buFont typeface="Arial"/>
-              <a:buNone/>
-            </a:pPr>
-            <a:r>
-              <a:rPr lang="en-AU" b="1" dirty="0"/>
-              <a:t>Context: </a:t>
-            </a:r>
-            <a:r>
-              <a:rPr lang="en-AU" sz="1200" dirty="0"/>
-              <a:t>With context, we have </a:t>
-            </a:r>
-            <a:r>
-              <a:rPr lang="en-AU" sz="1200" b="1" u="sng" dirty="0"/>
-              <a:t>clearly identified the problem at hand </a:t>
-            </a:r>
-            <a:r>
-              <a:rPr lang="en-AU" sz="1200" dirty="0"/>
-              <a:t>and have elucidated on how our initiative may solve this problem, alongside the commercial implications this will have on the business. </a:t>
-            </a:r>
-            <a:endParaRPr dirty="0"/>
-          </a:p>
-          <a:p>
-            <a:pPr marL="0" lvl="0" indent="0" algn="l" rtl="0">
-              <a:lnSpc>
-                <a:spcPct val="100000"/>
-              </a:lnSpc>
-              <a:spcBef>
-                <a:spcPts val="0"/>
-              </a:spcBef>
-              <a:spcAft>
-                <a:spcPts val="0"/>
-              </a:spcAft>
-              <a:buSzPts val="1400"/>
-              <a:buNone/>
-            </a:pPr>
-            <a:endParaRPr b="1" dirty="0"/>
-          </a:p>
-          <a:p>
-            <a:pPr marL="0" lvl="0" indent="0" algn="l" rtl="0">
-              <a:lnSpc>
-                <a:spcPct val="100000"/>
-              </a:lnSpc>
-              <a:spcBef>
-                <a:spcPts val="0"/>
-              </a:spcBef>
-              <a:spcAft>
-                <a:spcPts val="0"/>
-              </a:spcAft>
-              <a:buSzPts val="1400"/>
-              <a:buNone/>
-            </a:pPr>
-            <a:r>
-              <a:rPr lang="en-AU" b="1" dirty="0"/>
-              <a:t>Criteria for Success</a:t>
-            </a:r>
-            <a:r>
-              <a:rPr lang="en-AU" b="0" dirty="0"/>
-              <a:t>: Clearly defining the criteria for success ensures that the scope of your work is clearly defined and understood. Otherwise, if this isn’t defined – your work will never end which will result in mismatched expectations.</a:t>
-            </a:r>
-            <a:endParaRPr dirty="0"/>
-          </a:p>
-          <a:p>
-            <a:pPr marL="0" lvl="0" indent="0" algn="l" rtl="0">
-              <a:lnSpc>
-                <a:spcPct val="100000"/>
-              </a:lnSpc>
-              <a:spcBef>
-                <a:spcPts val="0"/>
-              </a:spcBef>
-              <a:spcAft>
-                <a:spcPts val="0"/>
-              </a:spcAft>
-              <a:buSzPts val="1400"/>
-              <a:buNone/>
-            </a:pPr>
-            <a:endParaRPr b="0" dirty="0"/>
-          </a:p>
-          <a:p>
-            <a:pPr marL="0" lvl="0" indent="0" algn="l" rtl="0">
-              <a:lnSpc>
-                <a:spcPct val="100000"/>
-              </a:lnSpc>
-              <a:spcBef>
-                <a:spcPts val="0"/>
-              </a:spcBef>
-              <a:spcAft>
-                <a:spcPts val="0"/>
-              </a:spcAft>
-              <a:buSzPts val="1400"/>
-              <a:buNone/>
-            </a:pPr>
-            <a:r>
-              <a:rPr lang="en-AU" b="1" dirty="0"/>
-              <a:t>Scope of Solution Space: </a:t>
-            </a:r>
-            <a:r>
-              <a:rPr lang="en-AU" b="0" dirty="0"/>
-              <a:t>Scoping out the solution space ensures that the business initiative is SPECIFIC for a certain segment or area. This prevents solutions that have been developed being scaled and applied for all other business units that the solution may not be responsible or scalable for.</a:t>
-            </a:r>
-            <a:endParaRPr dirty="0"/>
-          </a:p>
-          <a:p>
-            <a:pPr marL="0" lvl="0" indent="0" algn="l" rtl="0">
-              <a:lnSpc>
-                <a:spcPct val="100000"/>
-              </a:lnSpc>
-              <a:spcBef>
-                <a:spcPts val="0"/>
-              </a:spcBef>
-              <a:spcAft>
-                <a:spcPts val="0"/>
-              </a:spcAft>
-              <a:buSzPts val="1400"/>
-              <a:buNone/>
-            </a:pPr>
-            <a:endParaRPr b="0" dirty="0"/>
-          </a:p>
-          <a:p>
-            <a:pPr marL="0" lvl="0" indent="0" algn="l" rtl="0">
-              <a:lnSpc>
-                <a:spcPct val="100000"/>
-              </a:lnSpc>
-              <a:spcBef>
-                <a:spcPts val="0"/>
-              </a:spcBef>
-              <a:spcAft>
-                <a:spcPts val="0"/>
-              </a:spcAft>
-              <a:buSzPts val="1400"/>
-              <a:buNone/>
-            </a:pPr>
-            <a:r>
-              <a:rPr lang="en-AU" b="1" dirty="0"/>
-              <a:t>Constraints within Solution Space: </a:t>
-            </a:r>
-            <a:r>
-              <a:rPr lang="en-AU" b="0" dirty="0"/>
-              <a:t>Looking forward, what are the foreseeable problems we are likely to encounter? Could this be stakeholder resistance? Could this be we don’t have access to the right data? </a:t>
-            </a:r>
-            <a:endParaRPr dirty="0"/>
-          </a:p>
-          <a:p>
-            <a:pPr marL="0" lvl="0" indent="0" algn="l" rtl="0">
-              <a:lnSpc>
-                <a:spcPct val="100000"/>
-              </a:lnSpc>
-              <a:spcBef>
-                <a:spcPts val="0"/>
-              </a:spcBef>
-              <a:spcAft>
-                <a:spcPts val="0"/>
-              </a:spcAft>
-              <a:buSzPts val="1400"/>
-              <a:buNone/>
-            </a:pPr>
-            <a:endParaRPr b="0" dirty="0"/>
-          </a:p>
-          <a:p>
-            <a:pPr marL="0" lvl="0" indent="0" algn="l" rtl="0">
-              <a:lnSpc>
-                <a:spcPct val="100000"/>
-              </a:lnSpc>
-              <a:spcBef>
-                <a:spcPts val="0"/>
-              </a:spcBef>
-              <a:spcAft>
-                <a:spcPts val="0"/>
-              </a:spcAft>
-              <a:buSzPts val="1400"/>
-              <a:buNone/>
-            </a:pPr>
-            <a:r>
-              <a:rPr lang="en-AU" b="1" dirty="0"/>
-              <a:t>Stakeholders to provide key insight: </a:t>
-            </a:r>
-            <a:r>
-              <a:rPr lang="en-AU" b="0" dirty="0"/>
-              <a:t>Who are the people I need to speak to, to get the answers I need for my data analysis?</a:t>
-            </a:r>
-            <a:endParaRPr dirty="0"/>
-          </a:p>
-          <a:p>
-            <a:pPr marL="0" lvl="0" indent="0" algn="l" rtl="0">
-              <a:lnSpc>
-                <a:spcPct val="100000"/>
-              </a:lnSpc>
-              <a:spcBef>
-                <a:spcPts val="0"/>
-              </a:spcBef>
-              <a:spcAft>
-                <a:spcPts val="0"/>
-              </a:spcAft>
-              <a:buSzPts val="1400"/>
-              <a:buNone/>
-            </a:pPr>
-            <a:endParaRPr b="0" dirty="0"/>
-          </a:p>
-          <a:p>
-            <a:pPr marL="0" lvl="0" indent="0" algn="l" rtl="0">
-              <a:lnSpc>
-                <a:spcPct val="100000"/>
-              </a:lnSpc>
-              <a:spcBef>
-                <a:spcPts val="0"/>
-              </a:spcBef>
-              <a:spcAft>
-                <a:spcPts val="0"/>
-              </a:spcAft>
-              <a:buSzPts val="1400"/>
-              <a:buNone/>
-            </a:pPr>
-            <a:r>
-              <a:rPr lang="en-AU" b="1" dirty="0"/>
-              <a:t>What key data sources are required</a:t>
-            </a:r>
-            <a:r>
-              <a:rPr lang="en-AU" b="0" dirty="0"/>
-              <a:t>?</a:t>
-            </a:r>
-            <a:endParaRPr dirty="0"/>
-          </a:p>
-          <a:p>
-            <a:pPr marL="0" lvl="0" indent="0" algn="l" rtl="0">
-              <a:lnSpc>
-                <a:spcPct val="100000"/>
-              </a:lnSpc>
-              <a:spcBef>
-                <a:spcPts val="0"/>
-              </a:spcBef>
-              <a:spcAft>
-                <a:spcPts val="0"/>
-              </a:spcAft>
-              <a:buSzPts val="1400"/>
-              <a:buNone/>
-            </a:pPr>
-            <a:r>
-              <a:rPr lang="en-AU" b="0" dirty="0"/>
-              <a:t>Based off my discussions with the key stakeholders – can we clearly list out all the data sources we need so we can make a highly targeted request as opposed to a scatter-gun approach where we ask for a bit of everything?</a:t>
-            </a:r>
-            <a:endParaRPr dirty="0"/>
-          </a:p>
-          <a:p>
-            <a:pPr marL="0" lvl="0" indent="0" algn="l" rtl="0">
-              <a:lnSpc>
-                <a:spcPct val="100000"/>
-              </a:lnSpc>
-              <a:spcBef>
-                <a:spcPts val="0"/>
-              </a:spcBef>
-              <a:spcAft>
-                <a:spcPts val="0"/>
-              </a:spcAft>
-              <a:buSzPts val="1400"/>
-              <a:buNone/>
-            </a:pPr>
-            <a:endParaRPr b="1" dirty="0"/>
-          </a:p>
-          <a:p>
             <a:pPr marL="0" lvl="0" indent="0" algn="l" rtl="0">
               <a:lnSpc>
                 <a:spcPct val="100000"/>
@@ -6042,7 +6043,7 @@
     </p:spTree>
     <p:extLst>
       <p:ext uri="{BB962C8B-B14F-4D97-AF65-F5344CB8AC3E}">
-        <p14:creationId xmlns:p14="http://schemas.microsoft.com/office/powerpoint/2010/main" val="681433256"/>
+        <p14:creationId xmlns:p14="http://schemas.microsoft.com/office/powerpoint/2010/main" val="1405139647"/>
       </p:ext>
     </p:extLst>
   </p:cSld>
@@ -6052,7 +6053,7 @@
 </p:notes>
 </file>
 
-<file path=ppt/notesSlides/notesSlide6.xml><?xml version="1.0" encoding="utf-8"?>
+<file path=ppt/notesSlides/notesSlide5.xml><?xml version="1.0" encoding="utf-8"?>
 <p:notes xmlns:a="http://schemas.openxmlformats.org/drawingml/2006/main" xmlns:r="http://schemas.openxmlformats.org/officeDocument/2006/relationships" xmlns:p="http://schemas.openxmlformats.org/presentationml/2006/main" showMasterSp="0" showMasterPhAnim="0">
   <p:cSld>
     <p:spTree>
@@ -6121,7 +6122,7 @@
                   <a:srgbClr val="000000"/>
                 </a:solidFill>
               </a:rPr>
-              <a:t>6</a:t>
+              <a:t>5</a:t>
             </a:fld>
             <a:endParaRPr sz="1800" b="0" i="0" u="none" strike="noStrike" cap="none">
               <a:solidFill>
@@ -6577,7 +6578,7 @@
     </p:spTree>
     <p:extLst>
       <p:ext uri="{BB962C8B-B14F-4D97-AF65-F5344CB8AC3E}">
-        <p14:creationId xmlns:p14="http://schemas.microsoft.com/office/powerpoint/2010/main" val="799403406"/>
+        <p14:creationId xmlns:p14="http://schemas.microsoft.com/office/powerpoint/2010/main" val="681433256"/>
       </p:ext>
     </p:extLst>
   </p:cSld>
@@ -6587,7 +6588,7 @@
 </p:notes>
 </file>
 
-<file path=ppt/notesSlides/notesSlide7.xml><?xml version="1.0" encoding="utf-8"?>
+<file path=ppt/notesSlides/notesSlide6.xml><?xml version="1.0" encoding="utf-8"?>
 <p:notes xmlns:a="http://schemas.openxmlformats.org/drawingml/2006/main" xmlns:r="http://schemas.openxmlformats.org/officeDocument/2006/relationships" xmlns:p="http://schemas.openxmlformats.org/presentationml/2006/main" showMasterSp="0" showMasterPhAnim="0">
   <p:cSld>
     <p:spTree>
@@ -6656,7 +6657,7 @@
                   <a:srgbClr val="000000"/>
                 </a:solidFill>
               </a:rPr>
-              <a:t>7</a:t>
+              <a:t>6</a:t>
             </a:fld>
             <a:endParaRPr sz="1800" b="0" i="0" u="none" strike="noStrike" cap="none">
               <a:solidFill>
@@ -7112,7 +7113,7 @@
     </p:spTree>
     <p:extLst>
       <p:ext uri="{BB962C8B-B14F-4D97-AF65-F5344CB8AC3E}">
-        <p14:creationId xmlns:p14="http://schemas.microsoft.com/office/powerpoint/2010/main" val="805755915"/>
+        <p14:creationId xmlns:p14="http://schemas.microsoft.com/office/powerpoint/2010/main" val="799403406"/>
       </p:ext>
     </p:extLst>
   </p:cSld>
@@ -7122,7 +7123,7 @@
 </p:notes>
 </file>
 
-<file path=ppt/notesSlides/notesSlide8.xml><?xml version="1.0" encoding="utf-8"?>
+<file path=ppt/notesSlides/notesSlide7.xml><?xml version="1.0" encoding="utf-8"?>
 <p:notes xmlns:a="http://schemas.openxmlformats.org/drawingml/2006/main" xmlns:r="http://schemas.openxmlformats.org/officeDocument/2006/relationships" xmlns:p="http://schemas.openxmlformats.org/presentationml/2006/main" showMasterSp="0" showMasterPhAnim="0">
   <p:cSld>
     <p:spTree>
@@ -7191,7 +7192,7 @@
                   <a:srgbClr val="000000"/>
                 </a:solidFill>
               </a:rPr>
-              <a:t>8</a:t>
+              <a:t>7</a:t>
             </a:fld>
             <a:endParaRPr sz="1800" b="0" i="0" u="none" strike="noStrike" cap="none">
               <a:solidFill>
@@ -7647,7 +7648,7 @@
     </p:spTree>
     <p:extLst>
       <p:ext uri="{BB962C8B-B14F-4D97-AF65-F5344CB8AC3E}">
-        <p14:creationId xmlns:p14="http://schemas.microsoft.com/office/powerpoint/2010/main" val="331631141"/>
+        <p14:creationId xmlns:p14="http://schemas.microsoft.com/office/powerpoint/2010/main" val="805755915"/>
       </p:ext>
     </p:extLst>
   </p:cSld>
@@ -7657,7 +7658,7 @@
 </p:notes>
 </file>
 
-<file path=ppt/notesSlides/notesSlide9.xml><?xml version="1.0" encoding="utf-8"?>
+<file path=ppt/notesSlides/notesSlide8.xml><?xml version="1.0" encoding="utf-8"?>
 <p:notes xmlns:a="http://schemas.openxmlformats.org/drawingml/2006/main" xmlns:r="http://schemas.openxmlformats.org/officeDocument/2006/relationships" xmlns:p="http://schemas.openxmlformats.org/presentationml/2006/main" showMasterSp="0" showMasterPhAnim="0">
   <p:cSld>
     <p:spTree>
@@ -7726,7 +7727,7 @@
                   <a:srgbClr val="000000"/>
                 </a:solidFill>
               </a:rPr>
-              <a:t>9</a:t>
+              <a:t>8</a:t>
             </a:fld>
             <a:endParaRPr sz="1800" b="0" i="0" u="none" strike="noStrike" cap="none">
               <a:solidFill>
@@ -8182,6 +8183,541 @@
     </p:spTree>
     <p:extLst>
       <p:ext uri="{BB962C8B-B14F-4D97-AF65-F5344CB8AC3E}">
+        <p14:creationId xmlns:p14="http://schemas.microsoft.com/office/powerpoint/2010/main" val="331631141"/>
+      </p:ext>
+    </p:extLst>
+  </p:cSld>
+  <p:clrMapOvr>
+    <a:masterClrMapping/>
+  </p:clrMapOvr>
+</p:notes>
+</file>
+
+<file path=ppt/notesSlides/notesSlide9.xml><?xml version="1.0" encoding="utf-8"?>
+<p:notes xmlns:a="http://schemas.openxmlformats.org/drawingml/2006/main" xmlns:r="http://schemas.openxmlformats.org/officeDocument/2006/relationships" xmlns:p="http://schemas.openxmlformats.org/presentationml/2006/main" showMasterSp="0" showMasterPhAnim="0">
+  <p:cSld>
+    <p:spTree>
+      <p:nvGrpSpPr>
+        <p:cNvPr id="1" name="Shape 15"/>
+        <p:cNvGrpSpPr/>
+        <p:nvPr/>
+      </p:nvGrpSpPr>
+      <p:grpSpPr>
+        <a:xfrm>
+          <a:off x="0" y="0"/>
+          <a:ext cx="0" cy="0"/>
+          <a:chOff x="0" y="0"/>
+          <a:chExt cx="0" cy="0"/>
+        </a:xfrm>
+      </p:grpSpPr>
+      <p:sp>
+        <p:nvSpPr>
+          <p:cNvPr id="16" name="Google Shape;16;p1:notes"/>
+          <p:cNvSpPr txBox="1">
+            <a:spLocks noGrp="1"/>
+          </p:cNvSpPr>
+          <p:nvPr>
+            <p:ph type="sldNum" idx="12"/>
+          </p:nvPr>
+        </p:nvSpPr>
+        <p:spPr>
+          <a:xfrm>
+            <a:off x="6042320" y="9493393"/>
+            <a:ext cx="169918" cy="184666"/>
+          </a:xfrm>
+          <a:prstGeom prst="rect">
+            <a:avLst/>
+          </a:prstGeom>
+          <a:noFill/>
+          <a:ln>
+            <a:noFill/>
+          </a:ln>
+        </p:spPr>
+        <p:txBody>
+          <a:bodyPr spcFirstLastPara="1" wrap="square" lIns="91425" tIns="45700" rIns="91425" bIns="45700" anchor="b" anchorCtr="0">
+            <a:noAutofit/>
+          </a:bodyPr>
+          <a:lstStyle/>
+          <a:p>
+            <a:pPr marL="0" marR="0" lvl="0" indent="0" algn="r" rtl="0">
+              <a:lnSpc>
+                <a:spcPct val="100000"/>
+              </a:lnSpc>
+              <a:spcBef>
+                <a:spcPts val="0"/>
+              </a:spcBef>
+              <a:spcAft>
+                <a:spcPts val="0"/>
+              </a:spcAft>
+              <a:buClr>
+                <a:srgbClr val="000000"/>
+              </a:buClr>
+              <a:buSzPts val="1800"/>
+              <a:buFont typeface="Calibri"/>
+              <a:buNone/>
+            </a:pPr>
+            <a:fld id="{00000000-1234-1234-1234-123412341234}" type="slidenum">
+              <a:rPr lang="en-AU" sz="1800" b="0" i="0" u="none" strike="noStrike" cap="none">
+                <a:solidFill>
+                  <a:srgbClr val="000000"/>
+                </a:solidFill>
+              </a:rPr>
+              <a:t>9</a:t>
+            </a:fld>
+            <a:endParaRPr sz="1800" b="0" i="0" u="none" strike="noStrike" cap="none">
+              <a:solidFill>
+                <a:srgbClr val="000000"/>
+              </a:solidFill>
+            </a:endParaRPr>
+          </a:p>
+        </p:txBody>
+      </p:sp>
+      <p:sp>
+        <p:nvSpPr>
+          <p:cNvPr id="17" name="Google Shape;17;p1:notes"/>
+          <p:cNvSpPr>
+            <a:spLocks noGrp="1" noRot="1" noChangeAspect="1"/>
+          </p:cNvSpPr>
+          <p:nvPr>
+            <p:ph type="sldImg" idx="2"/>
+          </p:nvPr>
+        </p:nvSpPr>
+        <p:spPr>
+          <a:xfrm>
+            <a:off x="-2319338" y="1265238"/>
+            <a:ext cx="11201401" cy="8401050"/>
+          </a:xfrm>
+          <a:custGeom>
+            <a:avLst/>
+            <a:gdLst/>
+            <a:ahLst/>
+            <a:cxnLst/>
+            <a:rect l="l" t="t" r="r" b="b"/>
+            <a:pathLst>
+              <a:path w="120000" h="120000" extrusionOk="0">
+                <a:moveTo>
+                  <a:pt x="0" y="0"/>
+                </a:moveTo>
+                <a:lnTo>
+                  <a:pt x="120000" y="0"/>
+                </a:lnTo>
+                <a:lnTo>
+                  <a:pt x="120000" y="120000"/>
+                </a:lnTo>
+                <a:lnTo>
+                  <a:pt x="0" y="120000"/>
+                </a:lnTo>
+                <a:close/>
+              </a:path>
+            </a:pathLst>
+          </a:custGeom>
+          <a:noFill/>
+          <a:ln>
+            <a:noFill/>
+          </a:ln>
+        </p:spPr>
+      </p:sp>
+      <p:sp>
+        <p:nvSpPr>
+          <p:cNvPr id="18" name="Google Shape;18;p1:notes"/>
+          <p:cNvSpPr txBox="1">
+            <a:spLocks noGrp="1"/>
+          </p:cNvSpPr>
+          <p:nvPr>
+            <p:ph type="body" idx="1"/>
+          </p:nvPr>
+        </p:nvSpPr>
+        <p:spPr>
+          <a:xfrm>
+            <a:off x="789535" y="605318"/>
+            <a:ext cx="5470797" cy="246221"/>
+          </a:xfrm>
+          <a:prstGeom prst="rect">
+            <a:avLst/>
+          </a:prstGeom>
+          <a:noFill/>
+          <a:ln>
+            <a:noFill/>
+          </a:ln>
+        </p:spPr>
+        <p:txBody>
+          <a:bodyPr spcFirstLastPara="1" wrap="square" lIns="91425" tIns="45700" rIns="91425" bIns="45700" anchor="t" anchorCtr="0">
+            <a:noAutofit/>
+          </a:bodyPr>
+          <a:lstStyle/>
+          <a:p>
+            <a:pPr marL="0" marR="0" lvl="0" indent="0" algn="l" rtl="0">
+              <a:lnSpc>
+                <a:spcPct val="100000"/>
+              </a:lnSpc>
+              <a:spcBef>
+                <a:spcPts val="0"/>
+              </a:spcBef>
+              <a:spcAft>
+                <a:spcPts val="0"/>
+              </a:spcAft>
+              <a:buClr>
+                <a:srgbClr val="000000"/>
+              </a:buClr>
+              <a:buSzPts val="1400"/>
+              <a:buFont typeface="Arial"/>
+              <a:buNone/>
+            </a:pPr>
+            <a:r>
+              <a:rPr lang="en-AU" b="1" dirty="0"/>
+              <a:t>Hypothesis: </a:t>
+            </a:r>
+            <a:r>
+              <a:rPr lang="en-AU" sz="1200" b="0" i="1" u="none" strike="noStrike" cap="none" dirty="0">
+                <a:solidFill>
+                  <a:srgbClr val="000000"/>
+                </a:solidFill>
+                <a:latin typeface="Arial"/>
+                <a:ea typeface="Arial"/>
+                <a:cs typeface="Arial"/>
+                <a:sym typeface="Arial"/>
+              </a:rPr>
+              <a:t>Create a Hypothesis with an emphasis on SMART principles. </a:t>
+            </a:r>
+            <a:r>
+              <a:rPr lang="en-AU" sz="1200" b="1" i="1" u="none" strike="noStrike" cap="none" dirty="0">
+                <a:solidFill>
+                  <a:srgbClr val="000000"/>
+                </a:solidFill>
+                <a:latin typeface="Arial"/>
+                <a:ea typeface="Arial"/>
+                <a:cs typeface="Arial"/>
+                <a:sym typeface="Arial"/>
+              </a:rPr>
+              <a:t>(</a:t>
+            </a:r>
+            <a:r>
+              <a:rPr lang="en-AU" sz="1200" b="1" i="1" dirty="0"/>
+              <a:t>S – Specific, M – Measurable, A – Achievable, R – Realistic, T – Timebound). </a:t>
+            </a:r>
+            <a:r>
+              <a:rPr lang="en-AU" sz="1200" b="0" i="0" dirty="0"/>
+              <a:t>If you cannot do this, you </a:t>
+            </a:r>
+            <a:r>
+              <a:rPr lang="en-AU" sz="1200" b="1" i="0" dirty="0"/>
+              <a:t>do not</a:t>
+            </a:r>
+            <a:r>
+              <a:rPr lang="en-AU" sz="1200" b="0" i="0" dirty="0"/>
+              <a:t> have a good grasp on the business problem.</a:t>
+            </a:r>
+            <a:endParaRPr b="1" dirty="0"/>
+          </a:p>
+          <a:p>
+            <a:pPr marL="0" lvl="0" indent="0" algn="l" rtl="0">
+              <a:lnSpc>
+                <a:spcPct val="100000"/>
+              </a:lnSpc>
+              <a:spcBef>
+                <a:spcPts val="0"/>
+              </a:spcBef>
+              <a:spcAft>
+                <a:spcPts val="0"/>
+              </a:spcAft>
+              <a:buSzPts val="1400"/>
+              <a:buNone/>
+            </a:pPr>
+            <a:endParaRPr dirty="0"/>
+          </a:p>
+          <a:p>
+            <a:pPr marL="0" marR="0" lvl="0" indent="0" algn="l" rtl="0">
+              <a:lnSpc>
+                <a:spcPct val="100000"/>
+              </a:lnSpc>
+              <a:spcBef>
+                <a:spcPts val="0"/>
+              </a:spcBef>
+              <a:spcAft>
+                <a:spcPts val="0"/>
+              </a:spcAft>
+              <a:buClr>
+                <a:srgbClr val="000000"/>
+              </a:buClr>
+              <a:buSzPts val="1400"/>
+              <a:buFont typeface="Arial"/>
+              <a:buNone/>
+            </a:pPr>
+            <a:r>
+              <a:rPr lang="en-AU" b="1" dirty="0"/>
+              <a:t>Context: </a:t>
+            </a:r>
+            <a:r>
+              <a:rPr lang="en-AU" sz="1200" dirty="0"/>
+              <a:t>With context, we have </a:t>
+            </a:r>
+            <a:r>
+              <a:rPr lang="en-AU" sz="1200" b="1" u="sng" dirty="0"/>
+              <a:t>clearly identified the problem at hand </a:t>
+            </a:r>
+            <a:r>
+              <a:rPr lang="en-AU" sz="1200" dirty="0"/>
+              <a:t>and have elucidated on how our initiative may solve this problem, alongside the commercial implications this will have on the business. </a:t>
+            </a:r>
+            <a:endParaRPr dirty="0"/>
+          </a:p>
+          <a:p>
+            <a:pPr marL="0" lvl="0" indent="0" algn="l" rtl="0">
+              <a:lnSpc>
+                <a:spcPct val="100000"/>
+              </a:lnSpc>
+              <a:spcBef>
+                <a:spcPts val="0"/>
+              </a:spcBef>
+              <a:spcAft>
+                <a:spcPts val="0"/>
+              </a:spcAft>
+              <a:buSzPts val="1400"/>
+              <a:buNone/>
+            </a:pPr>
+            <a:endParaRPr b="1" dirty="0"/>
+          </a:p>
+          <a:p>
+            <a:pPr marL="0" lvl="0" indent="0" algn="l" rtl="0">
+              <a:lnSpc>
+                <a:spcPct val="100000"/>
+              </a:lnSpc>
+              <a:spcBef>
+                <a:spcPts val="0"/>
+              </a:spcBef>
+              <a:spcAft>
+                <a:spcPts val="0"/>
+              </a:spcAft>
+              <a:buSzPts val="1400"/>
+              <a:buNone/>
+            </a:pPr>
+            <a:r>
+              <a:rPr lang="en-AU" b="1" dirty="0"/>
+              <a:t>Criteria for Success</a:t>
+            </a:r>
+            <a:r>
+              <a:rPr lang="en-AU" b="0" dirty="0"/>
+              <a:t>: Clearly defining the criteria for success ensures that the scope of your work is clearly defined and understood. Otherwise, if this isn’t defined – your work will never end which will result in mismatched expectations.</a:t>
+            </a:r>
+            <a:endParaRPr dirty="0"/>
+          </a:p>
+          <a:p>
+            <a:pPr marL="0" lvl="0" indent="0" algn="l" rtl="0">
+              <a:lnSpc>
+                <a:spcPct val="100000"/>
+              </a:lnSpc>
+              <a:spcBef>
+                <a:spcPts val="0"/>
+              </a:spcBef>
+              <a:spcAft>
+                <a:spcPts val="0"/>
+              </a:spcAft>
+              <a:buSzPts val="1400"/>
+              <a:buNone/>
+            </a:pPr>
+            <a:endParaRPr b="0" dirty="0"/>
+          </a:p>
+          <a:p>
+            <a:pPr marL="0" lvl="0" indent="0" algn="l" rtl="0">
+              <a:lnSpc>
+                <a:spcPct val="100000"/>
+              </a:lnSpc>
+              <a:spcBef>
+                <a:spcPts val="0"/>
+              </a:spcBef>
+              <a:spcAft>
+                <a:spcPts val="0"/>
+              </a:spcAft>
+              <a:buSzPts val="1400"/>
+              <a:buNone/>
+            </a:pPr>
+            <a:r>
+              <a:rPr lang="en-AU" b="1" dirty="0"/>
+              <a:t>Scope of Solution Space: </a:t>
+            </a:r>
+            <a:r>
+              <a:rPr lang="en-AU" b="0" dirty="0"/>
+              <a:t>Scoping out the solution space ensures that the business initiative is SPECIFIC for a certain segment or area. This prevents solutions that have been developed being scaled and applied for all other business units that the solution may not be responsible or scalable for.</a:t>
+            </a:r>
+            <a:endParaRPr dirty="0"/>
+          </a:p>
+          <a:p>
+            <a:pPr marL="0" lvl="0" indent="0" algn="l" rtl="0">
+              <a:lnSpc>
+                <a:spcPct val="100000"/>
+              </a:lnSpc>
+              <a:spcBef>
+                <a:spcPts val="0"/>
+              </a:spcBef>
+              <a:spcAft>
+                <a:spcPts val="0"/>
+              </a:spcAft>
+              <a:buSzPts val="1400"/>
+              <a:buNone/>
+            </a:pPr>
+            <a:endParaRPr b="0" dirty="0"/>
+          </a:p>
+          <a:p>
+            <a:pPr marL="0" lvl="0" indent="0" algn="l" rtl="0">
+              <a:lnSpc>
+                <a:spcPct val="100000"/>
+              </a:lnSpc>
+              <a:spcBef>
+                <a:spcPts val="0"/>
+              </a:spcBef>
+              <a:spcAft>
+                <a:spcPts val="0"/>
+              </a:spcAft>
+              <a:buSzPts val="1400"/>
+              <a:buNone/>
+            </a:pPr>
+            <a:r>
+              <a:rPr lang="en-AU" b="1" dirty="0"/>
+              <a:t>Constraints within Solution Space: </a:t>
+            </a:r>
+            <a:r>
+              <a:rPr lang="en-AU" b="0" dirty="0"/>
+              <a:t>Looking forward, what are the foreseeable problems we are likely to encounter? Could this be stakeholder resistance? Could this be we don’t have access to the right data? </a:t>
+            </a:r>
+            <a:endParaRPr dirty="0"/>
+          </a:p>
+          <a:p>
+            <a:pPr marL="0" lvl="0" indent="0" algn="l" rtl="0">
+              <a:lnSpc>
+                <a:spcPct val="100000"/>
+              </a:lnSpc>
+              <a:spcBef>
+                <a:spcPts val="0"/>
+              </a:spcBef>
+              <a:spcAft>
+                <a:spcPts val="0"/>
+              </a:spcAft>
+              <a:buSzPts val="1400"/>
+              <a:buNone/>
+            </a:pPr>
+            <a:endParaRPr b="0" dirty="0"/>
+          </a:p>
+          <a:p>
+            <a:pPr marL="0" lvl="0" indent="0" algn="l" rtl="0">
+              <a:lnSpc>
+                <a:spcPct val="100000"/>
+              </a:lnSpc>
+              <a:spcBef>
+                <a:spcPts val="0"/>
+              </a:spcBef>
+              <a:spcAft>
+                <a:spcPts val="0"/>
+              </a:spcAft>
+              <a:buSzPts val="1400"/>
+              <a:buNone/>
+            </a:pPr>
+            <a:r>
+              <a:rPr lang="en-AU" b="1" dirty="0"/>
+              <a:t>Stakeholders to provide key insight: </a:t>
+            </a:r>
+            <a:r>
+              <a:rPr lang="en-AU" b="0" dirty="0"/>
+              <a:t>Who are the people I need to speak to, to get the answers I need for my data analysis?</a:t>
+            </a:r>
+            <a:endParaRPr dirty="0"/>
+          </a:p>
+          <a:p>
+            <a:pPr marL="0" lvl="0" indent="0" algn="l" rtl="0">
+              <a:lnSpc>
+                <a:spcPct val="100000"/>
+              </a:lnSpc>
+              <a:spcBef>
+                <a:spcPts val="0"/>
+              </a:spcBef>
+              <a:spcAft>
+                <a:spcPts val="0"/>
+              </a:spcAft>
+              <a:buSzPts val="1400"/>
+              <a:buNone/>
+            </a:pPr>
+            <a:endParaRPr b="0" dirty="0"/>
+          </a:p>
+          <a:p>
+            <a:pPr marL="0" lvl="0" indent="0" algn="l" rtl="0">
+              <a:lnSpc>
+                <a:spcPct val="100000"/>
+              </a:lnSpc>
+              <a:spcBef>
+                <a:spcPts val="0"/>
+              </a:spcBef>
+              <a:spcAft>
+                <a:spcPts val="0"/>
+              </a:spcAft>
+              <a:buSzPts val="1400"/>
+              <a:buNone/>
+            </a:pPr>
+            <a:r>
+              <a:rPr lang="en-AU" b="1" dirty="0"/>
+              <a:t>What key data sources are required</a:t>
+            </a:r>
+            <a:r>
+              <a:rPr lang="en-AU" b="0" dirty="0"/>
+              <a:t>?</a:t>
+            </a:r>
+            <a:endParaRPr dirty="0"/>
+          </a:p>
+          <a:p>
+            <a:pPr marL="0" lvl="0" indent="0" algn="l" rtl="0">
+              <a:lnSpc>
+                <a:spcPct val="100000"/>
+              </a:lnSpc>
+              <a:spcBef>
+                <a:spcPts val="0"/>
+              </a:spcBef>
+              <a:spcAft>
+                <a:spcPts val="0"/>
+              </a:spcAft>
+              <a:buSzPts val="1400"/>
+              <a:buNone/>
+            </a:pPr>
+            <a:r>
+              <a:rPr lang="en-AU" b="0" dirty="0"/>
+              <a:t>Based off my discussions with the key stakeholders – can we clearly list out all the data sources we need so we can make a highly targeted request as opposed to a scatter-gun approach where we ask for a bit of everything?</a:t>
+            </a:r>
+            <a:endParaRPr dirty="0"/>
+          </a:p>
+          <a:p>
+            <a:pPr marL="0" lvl="0" indent="0" algn="l" rtl="0">
+              <a:lnSpc>
+                <a:spcPct val="100000"/>
+              </a:lnSpc>
+              <a:spcBef>
+                <a:spcPts val="0"/>
+              </a:spcBef>
+              <a:spcAft>
+                <a:spcPts val="0"/>
+              </a:spcAft>
+              <a:buSzPts val="1400"/>
+              <a:buNone/>
+            </a:pPr>
+            <a:endParaRPr b="1" dirty="0"/>
+          </a:p>
+          <a:p>
+            <a:pPr marL="0" lvl="0" indent="0" algn="l" rtl="0">
+              <a:lnSpc>
+                <a:spcPct val="100000"/>
+              </a:lnSpc>
+              <a:spcBef>
+                <a:spcPts val="0"/>
+              </a:spcBef>
+              <a:spcAft>
+                <a:spcPts val="0"/>
+              </a:spcAft>
+              <a:buSzPts val="1400"/>
+              <a:buNone/>
+            </a:pPr>
+            <a:endParaRPr b="1" dirty="0"/>
+          </a:p>
+        </p:txBody>
+      </p:sp>
+    </p:spTree>
+    <p:extLst>
+      <p:ext uri="{BB962C8B-B14F-4D97-AF65-F5344CB8AC3E}">
         <p14:creationId xmlns:p14="http://schemas.microsoft.com/office/powerpoint/2010/main" val="1401056377"/>
       </p:ext>
     </p:extLst>
@@ -8378,7 +8914,7 @@
             <a:fld id="{8E36636D-D922-432D-A958-524484B5923D}" type="datetimeFigureOut">
               <a:rPr lang="en-US" smtClean="0"/>
               <a:pPr/>
-              <a:t>2/13/2021</a:t>
+              <a:t>3/1/2021</a:t>
             </a:fld>
             <a:endParaRPr lang="en-US" dirty="0"/>
           </a:p>
@@ -8678,7 +9214,7 @@
           <a:p>
             <a:fld id="{48A87A34-81AB-432B-8DAE-1953F412C126}" type="datetimeFigureOut">
               <a:rPr lang="en-US" smtClean="0"/>
-              <a:t>2/13/2021</a:t>
+              <a:t>3/1/2021</a:t>
             </a:fld>
             <a:endParaRPr lang="en-US" dirty="0"/>
           </a:p>
@@ -8872,7 +9408,7 @@
             <a:fld id="{8E36636D-D922-432D-A958-524484B5923D}" type="datetimeFigureOut">
               <a:rPr lang="en-US" smtClean="0"/>
               <a:pPr/>
-              <a:t>2/13/2021</a:t>
+              <a:t>3/1/2021</a:t>
             </a:fld>
             <a:endParaRPr lang="en-US" dirty="0"/>
           </a:p>
@@ -9136,7 +9672,7 @@
             <a:fld id="{8E36636D-D922-432D-A958-524484B5923D}" type="datetimeFigureOut">
               <a:rPr lang="en-US" smtClean="0"/>
               <a:pPr/>
-              <a:t>2/13/2021</a:t>
+              <a:t>3/1/2021</a:t>
             </a:fld>
             <a:endParaRPr lang="en-US" dirty="0"/>
           </a:p>
@@ -9563,7 +10099,7 @@
             <a:fld id="{8E36636D-D922-432D-A958-524484B5923D}" type="datetimeFigureOut">
               <a:rPr lang="en-US" smtClean="0"/>
               <a:pPr/>
-              <a:t>2/13/2021</a:t>
+              <a:t>3/1/2021</a:t>
             </a:fld>
             <a:endParaRPr lang="en-US" dirty="0"/>
           </a:p>
@@ -10103,7 +10639,7 @@
             <a:fld id="{8E36636D-D922-432D-A958-524484B5923D}" type="datetimeFigureOut">
               <a:rPr lang="en-US" smtClean="0"/>
               <a:pPr/>
-              <a:t>2/13/2021</a:t>
+              <a:t>3/1/2021</a:t>
             </a:fld>
             <a:endParaRPr lang="en-US" dirty="0"/>
           </a:p>
@@ -10970,7 +11506,7 @@
             <a:fld id="{8E36636D-D922-432D-A958-524484B5923D}" type="datetimeFigureOut">
               <a:rPr lang="en-US" smtClean="0"/>
               <a:pPr/>
-              <a:t>2/13/2021</a:t>
+              <a:t>3/1/2021</a:t>
             </a:fld>
             <a:endParaRPr lang="en-US" dirty="0"/>
           </a:p>
@@ -11143,7 +11679,7 @@
             <a:fld id="{8E36636D-D922-432D-A958-524484B5923D}" type="datetimeFigureOut">
               <a:rPr lang="en-US" smtClean="0"/>
               <a:pPr/>
-              <a:t>2/13/2021</a:t>
+              <a:t>3/1/2021</a:t>
             </a:fld>
             <a:endParaRPr lang="en-US" dirty="0"/>
           </a:p>
@@ -11330,7 +11866,7 @@
             <a:fld id="{8E36636D-D922-432D-A958-524484B5923D}" type="datetimeFigureOut">
               <a:rPr lang="en-US" smtClean="0"/>
               <a:pPr/>
-              <a:t>2/13/2021</a:t>
+              <a:t>3/1/2021</a:t>
             </a:fld>
             <a:endParaRPr lang="en-US" dirty="0"/>
           </a:p>
@@ -11693,7 +12229,7 @@
             <a:fld id="{8E36636D-D922-432D-A958-524484B5923D}" type="datetimeFigureOut">
               <a:rPr lang="en-US" smtClean="0"/>
               <a:pPr/>
-              <a:t>2/13/2021</a:t>
+              <a:t>3/1/2021</a:t>
             </a:fld>
             <a:endParaRPr lang="en-US" dirty="0"/>
           </a:p>
@@ -11940,7 +12476,7 @@
             <a:fld id="{8E36636D-D922-432D-A958-524484B5923D}" type="datetimeFigureOut">
               <a:rPr lang="en-US" smtClean="0"/>
               <a:pPr/>
-              <a:t>2/13/2021</a:t>
+              <a:t>3/1/2021</a:t>
             </a:fld>
             <a:endParaRPr lang="en-US" dirty="0"/>
           </a:p>
@@ -12179,7 +12715,7 @@
             <a:fld id="{8E36636D-D922-432D-A958-524484B5923D}" type="datetimeFigureOut">
               <a:rPr lang="en-US" smtClean="0"/>
               <a:pPr/>
-              <a:t>2/13/2021</a:t>
+              <a:t>3/1/2021</a:t>
             </a:fld>
             <a:endParaRPr lang="en-US" dirty="0"/>
           </a:p>
@@ -12648,7 +13184,7 @@
             <a:fld id="{8E36636D-D922-432D-A958-524484B5923D}" type="datetimeFigureOut">
               <a:rPr lang="en-US" smtClean="0"/>
               <a:pPr/>
-              <a:t>2/13/2021</a:t>
+              <a:t>3/1/2021</a:t>
             </a:fld>
             <a:endParaRPr lang="en-US" dirty="0"/>
           </a:p>
@@ -12769,7 +13305,7 @@
             <a:fld id="{8E36636D-D922-432D-A958-524484B5923D}" type="datetimeFigureOut">
               <a:rPr lang="en-US" smtClean="0"/>
               <a:pPr/>
-              <a:t>2/13/2021</a:t>
+              <a:t>3/1/2021</a:t>
             </a:fld>
             <a:endParaRPr lang="en-US" dirty="0"/>
           </a:p>
@@ -12866,7 +13402,7 @@
             <a:fld id="{8E36636D-D922-432D-A958-524484B5923D}" type="datetimeFigureOut">
               <a:rPr lang="en-US" smtClean="0"/>
               <a:pPr/>
-              <a:t>2/13/2021</a:t>
+              <a:t>3/1/2021</a:t>
             </a:fld>
             <a:endParaRPr lang="en-US" dirty="0"/>
           </a:p>
@@ -13124,7 +13660,7 @@
             <a:fld id="{8E36636D-D922-432D-A958-524484B5923D}" type="datetimeFigureOut">
               <a:rPr lang="en-US" smtClean="0"/>
               <a:pPr/>
-              <a:t>2/13/2021</a:t>
+              <a:t>3/1/2021</a:t>
             </a:fld>
             <a:endParaRPr lang="en-US" dirty="0"/>
           </a:p>
@@ -13427,7 +13963,7 @@
             <a:fld id="{8E36636D-D922-432D-A958-524484B5923D}" type="datetimeFigureOut">
               <a:rPr lang="en-US" smtClean="0"/>
               <a:pPr/>
-              <a:t>2/13/2021</a:t>
+              <a:t>3/1/2021</a:t>
             </a:fld>
             <a:endParaRPr lang="en-US" dirty="0"/>
           </a:p>
@@ -13664,7 +14200,7 @@
             <a:fld id="{8E36636D-D922-432D-A958-524484B5923D}" type="datetimeFigureOut">
               <a:rPr lang="en-US" smtClean="0"/>
               <a:pPr/>
-              <a:t>2/13/2021</a:t>
+              <a:t>3/1/2021</a:t>
             </a:fld>
             <a:endParaRPr lang="en-US" dirty="0"/>
           </a:p>
@@ -15590,6 +16126,273 @@
 </p:sld>
 </file>
 
+<file path=ppt/slides/slide14.xml><?xml version="1.0" encoding="utf-8"?>
+<p:sld xmlns:a="http://schemas.openxmlformats.org/drawingml/2006/main" xmlns:r="http://schemas.openxmlformats.org/officeDocument/2006/relationships" xmlns:p="http://schemas.openxmlformats.org/presentationml/2006/main">
+  <p:cSld>
+    <p:spTree>
+      <p:nvGrpSpPr>
+        <p:cNvPr id="1" name="Shape 19"/>
+        <p:cNvGrpSpPr/>
+        <p:nvPr/>
+      </p:nvGrpSpPr>
+      <p:grpSpPr>
+        <a:xfrm>
+          <a:off x="0" y="0"/>
+          <a:ext cx="0" cy="0"/>
+          <a:chOff x="0" y="0"/>
+          <a:chExt cx="0" cy="0"/>
+        </a:xfrm>
+      </p:grpSpPr>
+      <p:sp>
+        <p:nvSpPr>
+          <p:cNvPr id="45" name="Google Shape;45;p1"/>
+          <p:cNvSpPr/>
+          <p:nvPr/>
+        </p:nvSpPr>
+        <p:spPr>
+          <a:xfrm>
+            <a:off x="121750" y="116631"/>
+            <a:ext cx="7724912" cy="1137079"/>
+          </a:xfrm>
+          <a:prstGeom prst="wedgeRectCallout">
+            <a:avLst>
+              <a:gd name="adj1" fmla="val 53513"/>
+              <a:gd name="adj2" fmla="val 6588"/>
+            </a:avLst>
+          </a:prstGeom>
+          <a:noFill/>
+          <a:ln>
+            <a:noFill/>
+          </a:ln>
+        </p:spPr>
+        <p:txBody>
+          <a:bodyPr spcFirstLastPara="1" wrap="square" lIns="91425" tIns="45700" rIns="91425" bIns="45700" anchor="ctr" anchorCtr="0">
+            <a:noAutofit/>
+          </a:bodyPr>
+          <a:lstStyle/>
+          <a:p>
+            <a:pPr marL="0" marR="0" lvl="0" indent="0" algn="ctr" rtl="0">
+              <a:lnSpc>
+                <a:spcPct val="100000"/>
+              </a:lnSpc>
+              <a:spcBef>
+                <a:spcPts val="0"/>
+              </a:spcBef>
+              <a:spcAft>
+                <a:spcPts val="0"/>
+              </a:spcAft>
+              <a:buClr>
+                <a:srgbClr val="000000"/>
+              </a:buClr>
+              <a:buSzPts val="1800"/>
+              <a:buFont typeface="Arial"/>
+              <a:buNone/>
+            </a:pPr>
+            <a:endParaRPr sz="1800" b="0" i="0" u="none" strike="noStrike" cap="none">
+              <a:solidFill>
+                <a:schemeClr val="dk1"/>
+              </a:solidFill>
+              <a:latin typeface="Arial"/>
+              <a:ea typeface="Arial"/>
+              <a:cs typeface="Arial"/>
+              <a:sym typeface="Arial"/>
+            </a:endParaRPr>
+          </a:p>
+        </p:txBody>
+      </p:sp>
+      <p:sp>
+        <p:nvSpPr>
+          <p:cNvPr id="46" name="Google Shape;46;p1"/>
+          <p:cNvSpPr txBox="1">
+            <a:spLocks noGrp="1"/>
+          </p:cNvSpPr>
+          <p:nvPr>
+            <p:ph type="title"/>
+          </p:nvPr>
+        </p:nvSpPr>
+        <p:spPr>
+          <a:xfrm>
+            <a:off x="393088" y="442048"/>
+            <a:ext cx="8119053" cy="307777"/>
+          </a:xfrm>
+          <a:prstGeom prst="rect">
+            <a:avLst/>
+          </a:prstGeom>
+          <a:noFill/>
+          <a:ln>
+            <a:noFill/>
+          </a:ln>
+        </p:spPr>
+        <p:txBody>
+          <a:bodyPr spcFirstLastPara="1" wrap="square" lIns="0" tIns="0" rIns="0" bIns="0" anchor="t" anchorCtr="0">
+            <a:noAutofit/>
+          </a:bodyPr>
+          <a:lstStyle/>
+          <a:p>
+            <a:pPr marL="0" lvl="0" indent="0" algn="l" rtl="0">
+              <a:lnSpc>
+                <a:spcPct val="100000"/>
+              </a:lnSpc>
+              <a:spcBef>
+                <a:spcPts val="0"/>
+              </a:spcBef>
+              <a:spcAft>
+                <a:spcPts val="0"/>
+              </a:spcAft>
+              <a:buSzPts val="1400"/>
+              <a:buNone/>
+            </a:pPr>
+            <a:r>
+              <a:rPr lang="en-AU" sz="1600" dirty="0">
+                <a:solidFill>
+                  <a:schemeClr val="tx1"/>
+                </a:solidFill>
+                <a:latin typeface="Trebuchet MS" panose="020B0603020202020204" pitchFamily="34" charset="0"/>
+                <a:ea typeface="Quattrocento Sans"/>
+                <a:cs typeface="Quattrocento Sans"/>
+                <a:sym typeface="Quattrocento Sans"/>
+              </a:rPr>
+              <a:t>Looking Forward – Improving the Model</a:t>
+            </a:r>
+            <a:endParaRPr lang="en-AU" sz="1600" dirty="0">
+              <a:solidFill>
+                <a:schemeClr val="tx1"/>
+              </a:solidFill>
+              <a:latin typeface="Trebuchet MS" panose="020B0603020202020204" pitchFamily="34" charset="0"/>
+            </a:endParaRPr>
+          </a:p>
+        </p:txBody>
+      </p:sp>
+      <p:sp>
+        <p:nvSpPr>
+          <p:cNvPr id="6" name="Google Shape;48;p1">
+            <a:extLst>
+              <a:ext uri="{FF2B5EF4-FFF2-40B4-BE49-F238E27FC236}">
+                <a16:creationId xmlns:a16="http://schemas.microsoft.com/office/drawing/2014/main" id="{A120E1F8-3616-4EE7-AB53-770800FA8BAF}"/>
+              </a:ext>
+            </a:extLst>
+          </p:cNvPr>
+          <p:cNvSpPr txBox="1"/>
+          <p:nvPr/>
+        </p:nvSpPr>
+        <p:spPr>
+          <a:xfrm>
+            <a:off x="404361" y="2177347"/>
+            <a:ext cx="8335277" cy="3549199"/>
+          </a:xfrm>
+          <a:prstGeom prst="rect">
+            <a:avLst/>
+          </a:prstGeom>
+          <a:noFill/>
+          <a:ln>
+            <a:noFill/>
+          </a:ln>
+        </p:spPr>
+        <p:txBody>
+          <a:bodyPr spcFirstLastPara="1" wrap="square" lIns="91425" tIns="45700" rIns="91425" bIns="45700" anchor="t" anchorCtr="0">
+            <a:noAutofit/>
+          </a:bodyPr>
+          <a:lstStyle/>
+          <a:p>
+            <a:pPr marL="285750" marR="0" indent="-285750">
+              <a:lnSpc>
+                <a:spcPct val="150000"/>
+              </a:lnSpc>
+              <a:spcBef>
+                <a:spcPts val="0"/>
+              </a:spcBef>
+              <a:spcAft>
+                <a:spcPts val="800"/>
+              </a:spcAft>
+              <a:buFont typeface="Arial" panose="020B0604020202020204" pitchFamily="34" charset="0"/>
+              <a:buChar char="•"/>
+            </a:pPr>
+            <a:r>
+              <a:rPr lang="en-US" dirty="0">
+                <a:latin typeface="Trebuchet MS" panose="020B0603020202020204" pitchFamily="34" charset="0"/>
+                <a:ea typeface="Trebuchet MS" panose="020B0603020202020204" pitchFamily="34" charset="0"/>
+                <a:cs typeface="Times New Roman" panose="02020603050405020304" pitchFamily="18" charset="0"/>
+              </a:rPr>
+              <a:t>Extracting relevant transactions</a:t>
+            </a:r>
+          </a:p>
+          <a:p>
+            <a:pPr marL="285750" marR="0" indent="-285750">
+              <a:lnSpc>
+                <a:spcPct val="150000"/>
+              </a:lnSpc>
+              <a:spcBef>
+                <a:spcPts val="0"/>
+              </a:spcBef>
+              <a:spcAft>
+                <a:spcPts val="800"/>
+              </a:spcAft>
+              <a:buFont typeface="Arial" panose="020B0604020202020204" pitchFamily="34" charset="0"/>
+              <a:buChar char="•"/>
+            </a:pPr>
+            <a:r>
+              <a:rPr lang="en-US" dirty="0">
+                <a:latin typeface="Trebuchet MS" panose="020B0603020202020204" pitchFamily="34" charset="0"/>
+                <a:ea typeface="Trebuchet MS" panose="020B0603020202020204" pitchFamily="34" charset="0"/>
+                <a:cs typeface="Times New Roman" panose="02020603050405020304" pitchFamily="18" charset="0"/>
+              </a:rPr>
+              <a:t>Adding more customer features</a:t>
+            </a:r>
+            <a:endParaRPr lang="en-US" b="1" dirty="0">
+              <a:solidFill>
+                <a:srgbClr val="92D050"/>
+              </a:solidFill>
+              <a:latin typeface="Trebuchet MS" panose="020B0603020202020204" pitchFamily="34" charset="0"/>
+              <a:ea typeface="Trebuchet MS" panose="020B0603020202020204" pitchFamily="34" charset="0"/>
+              <a:cs typeface="Times New Roman" panose="02020603050405020304" pitchFamily="18" charset="0"/>
+            </a:endParaRPr>
+          </a:p>
+          <a:p>
+            <a:pPr marL="285750" marR="0" indent="-285750">
+              <a:lnSpc>
+                <a:spcPct val="150000"/>
+              </a:lnSpc>
+              <a:spcBef>
+                <a:spcPts val="0"/>
+              </a:spcBef>
+              <a:spcAft>
+                <a:spcPts val="800"/>
+              </a:spcAft>
+              <a:buFont typeface="Arial" panose="020B0604020202020204" pitchFamily="34" charset="0"/>
+              <a:buChar char="•"/>
+            </a:pPr>
+            <a:r>
+              <a:rPr lang="en-US" dirty="0">
+                <a:latin typeface="Trebuchet MS" panose="020B0603020202020204" pitchFamily="34" charset="0"/>
+                <a:ea typeface="Trebuchet MS" panose="020B0603020202020204" pitchFamily="34" charset="0"/>
+                <a:cs typeface="Times New Roman" panose="02020603050405020304" pitchFamily="18" charset="0"/>
+              </a:rPr>
+              <a:t>Time series analysis</a:t>
+            </a:r>
+            <a:endParaRPr lang="en-US" b="1" dirty="0">
+              <a:solidFill>
+                <a:srgbClr val="92D050"/>
+              </a:solidFill>
+              <a:latin typeface="Trebuchet MS" panose="020B0603020202020204" pitchFamily="34" charset="0"/>
+              <a:ea typeface="Trebuchet MS" panose="020B0603020202020204" pitchFamily="34" charset="0"/>
+              <a:cs typeface="Times New Roman" panose="02020603050405020304" pitchFamily="18" charset="0"/>
+            </a:endParaRPr>
+          </a:p>
+        </p:txBody>
+      </p:sp>
+    </p:spTree>
+    <p:extLst>
+      <p:ext uri="{BB962C8B-B14F-4D97-AF65-F5344CB8AC3E}">
+        <p14:creationId xmlns:p14="http://schemas.microsoft.com/office/powerpoint/2010/main" val="2013607995"/>
+      </p:ext>
+    </p:extLst>
+  </p:cSld>
+  <p:clrMapOvr>
+    <a:masterClrMapping/>
+  </p:clrMapOvr>
+</p:sld>
+</file>
+
 <file path=ppt/slides/slide2.xml><?xml version="1.0" encoding="utf-8"?>
 <p:sld xmlns:a="http://schemas.openxmlformats.org/drawingml/2006/main" xmlns:r="http://schemas.openxmlformats.org/officeDocument/2006/relationships" xmlns:p="http://schemas.openxmlformats.org/presentationml/2006/main">
   <p:cSld>
